--- a/speech_enhancement_awesome/Complex domain 7 pytorch_TGSA/TGSA_introduce.pptx
+++ b/speech_enhancement_awesome/Complex domain 7 pytorch_TGSA/TGSA_introduce.pptx
@@ -123,6 +123,11 @@
       </a:defRPr>
     </a:lvl9pPr>
   </p:defaultTextStyle>
+  <p:extLst>
+    <p:ext uri="{EFAFB233-063F-42B5-8137-9DF3F51BA10A}">
+      <p15:sldGuideLst xmlns:p15="http://schemas.microsoft.com/office/powerpoint/2012/main"/>
+    </p:ext>
+  </p:extLst>
 </p:presentation>
 </file>
 
@@ -497,7 +502,7 @@
         <p:spPr>
           <a:xfrm>
             <a:off x="685800" y="1143000"/>
-            <a:ext cx="5486040" cy="3085920"/>
+            <a:ext cx="5486400" cy="3086100"/>
           </a:xfrm>
           <a:prstGeom prst="rect">
             <a:avLst/>
@@ -3735,7 +3740,7 @@
                 </a:solidFill>
                 <a:latin typeface="等线"/>
               </a:rPr>
-              <a:t>7/11/2021</a:t>
+              <a:t>9/14/2021</a:t>
             </a:fld>
             <a:endParaRPr lang="en-US" sz="1200" b="0" strike="noStrike" spc="-1">
               <a:latin typeface="Times New Roman"/>
@@ -4627,7 +4632,7 @@
                 </a:solidFill>
                 <a:latin typeface="等线"/>
               </a:rPr>
-              <a:t>7/11/2021</a:t>
+              <a:t>9/14/2021</a:t>
             </a:fld>
             <a:endParaRPr lang="en-US" sz="1200" b="0" strike="noStrike" spc="-1">
               <a:latin typeface="Times New Roman"/>
@@ -15932,7 +15937,7 @@
         </p:nvGraphicFramePr>
         <p:xfrm>
           <a:off x="2264760" y="334440"/>
-          <a:ext cx="8127720" cy="3708000"/>
+          <a:ext cx="8127720" cy="3935520"/>
         </p:xfrm>
         <a:graphic>
           <a:graphicData uri="http://schemas.openxmlformats.org/drawingml/2006/table">
@@ -17825,7 +17830,7 @@
         </p:nvSpPr>
         <p:spPr>
           <a:xfrm>
-            <a:off x="198000" y="2157120"/>
+            <a:off x="571487" y="2070900"/>
             <a:ext cx="9822240" cy="4957560"/>
           </a:xfrm>
           <a:prstGeom prst="rect">
